--- a/Daily Agendas/Day1.4_SimonGame2.pptx
+++ b/Daily Agendas/Day1.4_SimonGame2.pptx
@@ -304,7 +304,7 @@
             <a:fld id="{1D8BD707-D9CF-40AE-B4C6-C98DA3205C09}" type="datetimeFigureOut">
               <a:rPr lang="en-US" smtClean="0"/>
               <a:pPr/>
-              <a:t>9/4/2019</a:t>
+              <a:t>9/5/2019</a:t>
             </a:fld>
             <a:endParaRPr lang="en-US"/>
           </a:p>
@@ -469,7 +469,7 @@
             <a:fld id="{1D8BD707-D9CF-40AE-B4C6-C98DA3205C09}" type="datetimeFigureOut">
               <a:rPr lang="en-US" smtClean="0"/>
               <a:pPr/>
-              <a:t>9/4/2019</a:t>
+              <a:t>9/5/2019</a:t>
             </a:fld>
             <a:endParaRPr lang="en-US"/>
           </a:p>
@@ -644,7 +644,7 @@
             <a:fld id="{1D8BD707-D9CF-40AE-B4C6-C98DA3205C09}" type="datetimeFigureOut">
               <a:rPr lang="en-US" smtClean="0"/>
               <a:pPr/>
-              <a:t>9/4/2019</a:t>
+              <a:t>9/5/2019</a:t>
             </a:fld>
             <a:endParaRPr lang="en-US"/>
           </a:p>
@@ -809,7 +809,7 @@
             <a:fld id="{1D8BD707-D9CF-40AE-B4C6-C98DA3205C09}" type="datetimeFigureOut">
               <a:rPr lang="en-US" smtClean="0"/>
               <a:pPr/>
-              <a:t>9/4/2019</a:t>
+              <a:t>9/5/2019</a:t>
             </a:fld>
             <a:endParaRPr lang="en-US"/>
           </a:p>
@@ -1051,7 +1051,7 @@
             <a:fld id="{1D8BD707-D9CF-40AE-B4C6-C98DA3205C09}" type="datetimeFigureOut">
               <a:rPr lang="en-US" smtClean="0"/>
               <a:pPr/>
-              <a:t>9/4/2019</a:t>
+              <a:t>9/5/2019</a:t>
             </a:fld>
             <a:endParaRPr lang="en-US"/>
           </a:p>
@@ -1333,7 +1333,7 @@
             <a:fld id="{1D8BD707-D9CF-40AE-B4C6-C98DA3205C09}" type="datetimeFigureOut">
               <a:rPr lang="en-US" smtClean="0"/>
               <a:pPr/>
-              <a:t>9/4/2019</a:t>
+              <a:t>9/5/2019</a:t>
             </a:fld>
             <a:endParaRPr lang="en-US"/>
           </a:p>
@@ -1749,7 +1749,7 @@
             <a:fld id="{1D8BD707-D9CF-40AE-B4C6-C98DA3205C09}" type="datetimeFigureOut">
               <a:rPr lang="en-US" smtClean="0"/>
               <a:pPr/>
-              <a:t>9/4/2019</a:t>
+              <a:t>9/5/2019</a:t>
             </a:fld>
             <a:endParaRPr lang="en-US"/>
           </a:p>
@@ -1863,7 +1863,7 @@
             <a:fld id="{1D8BD707-D9CF-40AE-B4C6-C98DA3205C09}" type="datetimeFigureOut">
               <a:rPr lang="en-US" smtClean="0"/>
               <a:pPr/>
-              <a:t>9/4/2019</a:t>
+              <a:t>9/5/2019</a:t>
             </a:fld>
             <a:endParaRPr lang="en-US"/>
           </a:p>
@@ -1955,7 +1955,7 @@
             <a:fld id="{1D8BD707-D9CF-40AE-B4C6-C98DA3205C09}" type="datetimeFigureOut">
               <a:rPr lang="en-US" smtClean="0"/>
               <a:pPr/>
-              <a:t>9/4/2019</a:t>
+              <a:t>9/5/2019</a:t>
             </a:fld>
             <a:endParaRPr lang="en-US"/>
           </a:p>
@@ -2227,7 +2227,7 @@
             <a:fld id="{1D8BD707-D9CF-40AE-B4C6-C98DA3205C09}" type="datetimeFigureOut">
               <a:rPr lang="en-US" smtClean="0"/>
               <a:pPr/>
-              <a:t>9/4/2019</a:t>
+              <a:t>9/5/2019</a:t>
             </a:fld>
             <a:endParaRPr lang="en-US"/>
           </a:p>
@@ -2476,7 +2476,7 @@
             <a:fld id="{1D8BD707-D9CF-40AE-B4C6-C98DA3205C09}" type="datetimeFigureOut">
               <a:rPr lang="en-US" smtClean="0"/>
               <a:pPr/>
-              <a:t>9/4/2019</a:t>
+              <a:t>9/5/2019</a:t>
             </a:fld>
             <a:endParaRPr lang="en-US"/>
           </a:p>
@@ -2684,7 +2684,7 @@
             <a:fld id="{1D8BD707-D9CF-40AE-B4C6-C98DA3205C09}" type="datetimeFigureOut">
               <a:rPr lang="en-US" smtClean="0"/>
               <a:pPr/>
-              <a:t>9/4/2019</a:t>
+              <a:t>9/5/2019</a:t>
             </a:fld>
             <a:endParaRPr lang="en-US"/>
           </a:p>
@@ -3192,11 +3192,7 @@
             </a:r>
             <a:r>
               <a:rPr lang="en-US" dirty="0" smtClean="0"/>
-              <a:t>Sep </a:t>
-            </a:r>
-            <a:r>
-              <a:rPr lang="en-US" dirty="0" smtClean="0"/>
-              <a:t>05</a:t>
+              <a:t>Sep 05</a:t>
             </a:r>
             <a:endParaRPr lang="en-US" dirty="0"/>
           </a:p>
@@ -3215,7 +3211,7 @@
         <p:spPr/>
         <p:txBody>
           <a:bodyPr>
-            <a:normAutofit lnSpcReduction="10000"/>
+            <a:normAutofit fontScale="92500" lnSpcReduction="10000"/>
           </a:bodyPr>
           <a:lstStyle/>
           <a:p>
@@ -3245,7 +3241,6 @@
               <a:rPr lang="en-US" dirty="0" smtClean="0"/>
               <a:t>Discussion – Simon vs. A Light Switch</a:t>
             </a:r>
-            <a:endParaRPr lang="en-US" dirty="0" smtClean="0"/>
           </a:p>
           <a:p>
             <a:pPr lvl="1"/>
@@ -3264,6 +3259,14 @@
             <a:endParaRPr lang="en-US" dirty="0" smtClean="0"/>
           </a:p>
           <a:p>
+            <a:pPr lvl="2"/>
+            <a:r>
+              <a:rPr lang="en-CA" dirty="0" smtClean="0"/>
+              <a:t>Complete By End of Period</a:t>
+            </a:r>
+            <a:endParaRPr lang="en-US" dirty="0" smtClean="0"/>
+          </a:p>
+          <a:p>
             <a:pPr lvl="1">
               <a:buNone/>
             </a:pPr>
@@ -3292,15 +3295,7 @@
             <a:pPr lvl="1"/>
             <a:r>
               <a:rPr lang="en-US" sz="2400" dirty="0" smtClean="0"/>
-              <a:t>Tomorrow</a:t>
-            </a:r>
-            <a:r>
-              <a:rPr lang="en-US" sz="2400" dirty="0" smtClean="0"/>
-              <a:t>: </a:t>
-            </a:r>
-            <a:r>
-              <a:rPr lang="en-US" sz="2400" dirty="0" smtClean="0"/>
-              <a:t>Emoji Equity Case Study</a:t>
+              <a:t>Tomorrow: Emoji Equity Case Study</a:t>
             </a:r>
             <a:endParaRPr lang="en-US" sz="2400" dirty="0"/>
           </a:p>
